--- a/ppt/timeline.pptx
+++ b/ppt/timeline.pptx
@@ -191,7 +191,7 @@
           </a:lstStyle>
           <a:p>
             <a:fld id="{7F7451C7-DFB9-FB4E-8BDB-E7D0B1013F93}" type="datetimeFigureOut">
-              <a:t>18/05/15</a:t>
+              <a:t>19/05/15</a:t>
             </a:fld>
             <a:endParaRPr lang="en-GB"/>
           </a:p>
@@ -722,7 +722,7 @@
           <a:p>
             <a:fld id="{7EAB797B-56E2-4D40-A461-10E7AA511DCC}" type="datetimeFigureOut">
               <a:rPr lang="en-US" smtClean="0"/>
-              <a:t>18/05/15</a:t>
+              <a:t>19/05/15</a:t>
             </a:fld>
             <a:endParaRPr lang="en-GB"/>
           </a:p>
@@ -892,7 +892,7 @@
           <a:p>
             <a:fld id="{7EAB797B-56E2-4D40-A461-10E7AA511DCC}" type="datetimeFigureOut">
               <a:rPr lang="en-US" smtClean="0"/>
-              <a:t>18/05/15</a:t>
+              <a:t>19/05/15</a:t>
             </a:fld>
             <a:endParaRPr lang="en-GB"/>
           </a:p>
@@ -1072,7 +1072,7 @@
           <a:p>
             <a:fld id="{7EAB797B-56E2-4D40-A461-10E7AA511DCC}" type="datetimeFigureOut">
               <a:rPr lang="en-US" smtClean="0"/>
-              <a:t>18/05/15</a:t>
+              <a:t>19/05/15</a:t>
             </a:fld>
             <a:endParaRPr lang="en-GB"/>
           </a:p>
@@ -1242,7 +1242,7 @@
           <a:p>
             <a:fld id="{7EAB797B-56E2-4D40-A461-10E7AA511DCC}" type="datetimeFigureOut">
               <a:rPr lang="en-US" smtClean="0"/>
-              <a:t>18/05/15</a:t>
+              <a:t>19/05/15</a:t>
             </a:fld>
             <a:endParaRPr lang="en-GB"/>
           </a:p>
@@ -1488,7 +1488,7 @@
           <a:p>
             <a:fld id="{7EAB797B-56E2-4D40-A461-10E7AA511DCC}" type="datetimeFigureOut">
               <a:rPr lang="en-US" smtClean="0"/>
-              <a:t>18/05/15</a:t>
+              <a:t>19/05/15</a:t>
             </a:fld>
             <a:endParaRPr lang="en-GB"/>
           </a:p>
@@ -1776,7 +1776,7 @@
           <a:p>
             <a:fld id="{7EAB797B-56E2-4D40-A461-10E7AA511DCC}" type="datetimeFigureOut">
               <a:rPr lang="en-US" smtClean="0"/>
-              <a:t>18/05/15</a:t>
+              <a:t>19/05/15</a:t>
             </a:fld>
             <a:endParaRPr lang="en-GB"/>
           </a:p>
@@ -2198,7 +2198,7 @@
           <a:p>
             <a:fld id="{7EAB797B-56E2-4D40-A461-10E7AA511DCC}" type="datetimeFigureOut">
               <a:rPr lang="en-US" smtClean="0"/>
-              <a:t>18/05/15</a:t>
+              <a:t>19/05/15</a:t>
             </a:fld>
             <a:endParaRPr lang="en-GB"/>
           </a:p>
@@ -2316,7 +2316,7 @@
           <a:p>
             <a:fld id="{7EAB797B-56E2-4D40-A461-10E7AA511DCC}" type="datetimeFigureOut">
               <a:rPr lang="en-US" smtClean="0"/>
-              <a:t>18/05/15</a:t>
+              <a:t>19/05/15</a:t>
             </a:fld>
             <a:endParaRPr lang="en-GB"/>
           </a:p>
@@ -2411,7 +2411,7 @@
           <a:p>
             <a:fld id="{7EAB797B-56E2-4D40-A461-10E7AA511DCC}" type="datetimeFigureOut">
               <a:rPr lang="en-US" smtClean="0"/>
-              <a:t>18/05/15</a:t>
+              <a:t>19/05/15</a:t>
             </a:fld>
             <a:endParaRPr lang="en-GB"/>
           </a:p>
@@ -2688,7 +2688,7 @@
           <a:p>
             <a:fld id="{7EAB797B-56E2-4D40-A461-10E7AA511DCC}" type="datetimeFigureOut">
               <a:rPr lang="en-US" smtClean="0"/>
-              <a:t>18/05/15</a:t>
+              <a:t>19/05/15</a:t>
             </a:fld>
             <a:endParaRPr lang="en-GB"/>
           </a:p>
@@ -2941,7 +2941,7 @@
           <a:p>
             <a:fld id="{7EAB797B-56E2-4D40-A461-10E7AA511DCC}" type="datetimeFigureOut">
               <a:rPr lang="en-US" smtClean="0"/>
-              <a:t>18/05/15</a:t>
+              <a:t>19/05/15</a:t>
             </a:fld>
             <a:endParaRPr lang="en-GB"/>
           </a:p>
@@ -3154,7 +3154,7 @@
           <a:p>
             <a:fld id="{7EAB797B-56E2-4D40-A461-10E7AA511DCC}" type="datetimeFigureOut">
               <a:rPr lang="en-US" smtClean="0"/>
-              <a:t>18/05/15</a:t>
+              <a:t>19/05/15</a:t>
             </a:fld>
             <a:endParaRPr lang="en-GB"/>
           </a:p>
@@ -5586,7 +5586,7 @@
         <p:spPr>
           <a:xfrm>
             <a:off x="3227978" y="3579671"/>
-            <a:ext cx="99634" cy="2726253"/>
+            <a:ext cx="99634" cy="2589940"/>
           </a:xfrm>
           <a:prstGeom prst="rect">
             <a:avLst/>
@@ -5617,11 +5617,15 @@
           </a:fontRef>
         </p:style>
         <p:txBody>
-          <a:bodyPr rtlCol="0" anchor="ctr"/>
-          <a:lstStyle/>
-          <a:p>
-            <a:pPr algn="ctr"/>
-            <a:endParaRPr lang="en-GB"/>
+          <a:bodyPr vert="vert270" lIns="72000" rtlCol="0" anchor="ctr"/>
+          <a:lstStyle/>
+          <a:p>
+            <a:pPr algn="r"/>
+            <a:r>
+              <a:rPr lang="en-GB" sz="800"/>
+              <a:t>[Power SGX chip]</a:t>
+            </a:r>
+            <a:endParaRPr lang="en-GB" sz="800"/>
           </a:p>
         </p:txBody>
       </p:sp>
@@ -5683,7 +5687,7 @@
         </p:nvSpPr>
         <p:spPr>
           <a:xfrm>
-            <a:off x="3244048" y="6206850"/>
+            <a:off x="3244048" y="6094785"/>
             <a:ext cx="86400" cy="108000"/>
           </a:xfrm>
           <a:prstGeom prst="leftBracket">
@@ -5782,7 +5786,7 @@
         <p:spPr>
           <a:xfrm>
             <a:off x="2885848" y="4161924"/>
-            <a:ext cx="99634" cy="2136793"/>
+            <a:ext cx="99634" cy="2008585"/>
           </a:xfrm>
           <a:prstGeom prst="rect">
             <a:avLst/>
@@ -5879,7 +5883,7 @@
         </p:nvSpPr>
         <p:spPr>
           <a:xfrm>
-            <a:off x="2901918" y="6228778"/>
+            <a:off x="2901918" y="6094300"/>
             <a:ext cx="86400" cy="108000"/>
           </a:xfrm>
           <a:prstGeom prst="leftBracket">

--- a/ppt/timeline.pptx
+++ b/ppt/timeline.pptx
@@ -3567,7 +3567,7 @@
         </p:nvCxnSpPr>
         <p:spPr>
           <a:xfrm>
-            <a:off x="8454527" y="516551"/>
+            <a:off x="8454527" y="658500"/>
             <a:ext cx="0" cy="5860143"/>
           </a:xfrm>
           <a:prstGeom prst="line">
@@ -3606,7 +3606,7 @@
         </p:nvCxnSpPr>
         <p:spPr>
           <a:xfrm>
-            <a:off x="6881087" y="516551"/>
+            <a:off x="6881087" y="658500"/>
             <a:ext cx="0" cy="5860143"/>
           </a:xfrm>
           <a:prstGeom prst="line">
@@ -3645,7 +3645,7 @@
         </p:nvCxnSpPr>
         <p:spPr>
           <a:xfrm>
-            <a:off x="5307648" y="516551"/>
+            <a:off x="5307648" y="658500"/>
             <a:ext cx="0" cy="5860143"/>
           </a:xfrm>
           <a:prstGeom prst="line">
@@ -3684,7 +3684,7 @@
         </p:nvCxnSpPr>
         <p:spPr>
           <a:xfrm>
-            <a:off x="3734209" y="516551"/>
+            <a:off x="3734209" y="658500"/>
             <a:ext cx="0" cy="5860143"/>
           </a:xfrm>
           <a:prstGeom prst="line">
@@ -3723,7 +3723,7 @@
         </p:nvCxnSpPr>
         <p:spPr>
           <a:xfrm>
-            <a:off x="2160770" y="516551"/>
+            <a:off x="2160770" y="658500"/>
             <a:ext cx="0" cy="5860143"/>
           </a:xfrm>
           <a:prstGeom prst="line">
@@ -3787,174 +3787,6 @@
           </a:fontRef>
         </p:style>
       </p:cxnSp>
-      <p:sp>
-        <p:nvSpPr>
-          <p:cNvPr id="14" name="TextBox 13"/>
-          <p:cNvSpPr txBox="1"/>
-          <p:nvPr/>
-        </p:nvSpPr>
-        <p:spPr>
-          <a:xfrm>
-            <a:off x="7331484" y="3108907"/>
-            <a:ext cx="652643" cy="369332"/>
-          </a:xfrm>
-          <a:prstGeom prst="rect">
-            <a:avLst/>
-          </a:prstGeom>
-          <a:noFill/>
-        </p:spPr>
-        <p:txBody>
-          <a:bodyPr wrap="none" rtlCol="0">
-            <a:spAutoFit/>
-          </a:bodyPr>
-          <a:lstStyle/>
-          <a:p>
-            <a:r>
-              <a:rPr lang="en-GB" dirty="0" smtClean="0">
-                <a:solidFill>
-                  <a:schemeClr val="bg1">
-                    <a:lumMod val="50000"/>
-                  </a:schemeClr>
-                </a:solidFill>
-              </a:rPr>
-              <a:t>2014</a:t>
-            </a:r>
-            <a:endParaRPr lang="en-GB" dirty="0">
-              <a:solidFill>
-                <a:schemeClr val="bg1">
-                  <a:lumMod val="50000"/>
-                </a:schemeClr>
-              </a:solidFill>
-            </a:endParaRPr>
-          </a:p>
-        </p:txBody>
-      </p:sp>
-      <p:sp>
-        <p:nvSpPr>
-          <p:cNvPr id="15" name="TextBox 14"/>
-          <p:cNvSpPr txBox="1"/>
-          <p:nvPr/>
-        </p:nvSpPr>
-        <p:spPr>
-          <a:xfrm>
-            <a:off x="2601641" y="3112785"/>
-            <a:ext cx="652643" cy="369332"/>
-          </a:xfrm>
-          <a:prstGeom prst="rect">
-            <a:avLst/>
-          </a:prstGeom>
-          <a:noFill/>
-        </p:spPr>
-        <p:txBody>
-          <a:bodyPr wrap="none" rtlCol="0">
-            <a:spAutoFit/>
-          </a:bodyPr>
-          <a:lstStyle/>
-          <a:p>
-            <a:r>
-              <a:rPr lang="en-GB" dirty="0" smtClean="0">
-                <a:solidFill>
-                  <a:schemeClr val="bg1">
-                    <a:lumMod val="50000"/>
-                  </a:schemeClr>
-                </a:solidFill>
-              </a:rPr>
-              <a:t>2011</a:t>
-            </a:r>
-            <a:endParaRPr lang="en-GB" dirty="0">
-              <a:solidFill>
-                <a:schemeClr val="bg1">
-                  <a:lumMod val="50000"/>
-                </a:schemeClr>
-              </a:solidFill>
-            </a:endParaRPr>
-          </a:p>
-        </p:txBody>
-      </p:sp>
-      <p:sp>
-        <p:nvSpPr>
-          <p:cNvPr id="16" name="TextBox 15"/>
-          <p:cNvSpPr txBox="1"/>
-          <p:nvPr/>
-        </p:nvSpPr>
-        <p:spPr>
-          <a:xfrm>
-            <a:off x="4178255" y="3112785"/>
-            <a:ext cx="652643" cy="369332"/>
-          </a:xfrm>
-          <a:prstGeom prst="rect">
-            <a:avLst/>
-          </a:prstGeom>
-          <a:noFill/>
-        </p:spPr>
-        <p:txBody>
-          <a:bodyPr wrap="none" rtlCol="0">
-            <a:spAutoFit/>
-          </a:bodyPr>
-          <a:lstStyle/>
-          <a:p>
-            <a:r>
-              <a:rPr lang="en-GB" dirty="0" smtClean="0">
-                <a:solidFill>
-                  <a:schemeClr val="bg1">
-                    <a:lumMod val="50000"/>
-                  </a:schemeClr>
-                </a:solidFill>
-              </a:rPr>
-              <a:t>2012</a:t>
-            </a:r>
-            <a:endParaRPr lang="en-GB" dirty="0">
-              <a:solidFill>
-                <a:schemeClr val="bg1">
-                  <a:lumMod val="50000"/>
-                </a:schemeClr>
-              </a:solidFill>
-            </a:endParaRPr>
-          </a:p>
-        </p:txBody>
-      </p:sp>
-      <p:sp>
-        <p:nvSpPr>
-          <p:cNvPr id="17" name="TextBox 16"/>
-          <p:cNvSpPr txBox="1"/>
-          <p:nvPr/>
-        </p:nvSpPr>
-        <p:spPr>
-          <a:xfrm>
-            <a:off x="5754869" y="3112785"/>
-            <a:ext cx="652643" cy="369332"/>
-          </a:xfrm>
-          <a:prstGeom prst="rect">
-            <a:avLst/>
-          </a:prstGeom>
-          <a:noFill/>
-        </p:spPr>
-        <p:txBody>
-          <a:bodyPr wrap="none" rtlCol="0">
-            <a:spAutoFit/>
-          </a:bodyPr>
-          <a:lstStyle/>
-          <a:p>
-            <a:r>
-              <a:rPr lang="en-GB" dirty="0" smtClean="0">
-                <a:solidFill>
-                  <a:schemeClr val="bg1">
-                    <a:lumMod val="50000"/>
-                  </a:schemeClr>
-                </a:solidFill>
-              </a:rPr>
-              <a:t>2013</a:t>
-            </a:r>
-            <a:endParaRPr lang="en-GB" dirty="0">
-              <a:solidFill>
-                <a:schemeClr val="bg1">
-                  <a:lumMod val="50000"/>
-                </a:schemeClr>
-              </a:solidFill>
-            </a:endParaRPr>
-          </a:p>
-        </p:txBody>
-      </p:sp>
       <p:grpSp>
         <p:nvGrpSpPr>
           <p:cNvPr id="22" name="Group 21"/>
@@ -4055,7 +3887,7 @@
             </a:fontRef>
           </p:style>
           <p:txBody>
-            <a:bodyPr vert="vert270" rtlCol="0" anchor="ctr"/>
+            <a:bodyPr vert="vert270" lIns="36000" rtlCol="0" anchor="ctr"/>
             <a:lstStyle/>
             <a:p>
               <a:r>
@@ -4167,7 +3999,7 @@
             </a:fontRef>
           </p:style>
           <p:txBody>
-            <a:bodyPr vert="vert270" rtlCol="0" anchor="ctr"/>
+            <a:bodyPr vert="vert270" lIns="36000" rtlCol="0" anchor="ctr"/>
             <a:lstStyle/>
             <a:p>
               <a:r>
@@ -4269,7 +4101,7 @@
           </a:fontRef>
         </p:style>
         <p:txBody>
-          <a:bodyPr vert="vert270" rtlCol="0" anchor="ctr"/>
+          <a:bodyPr vert="vert270" lIns="36000" rtlCol="0" anchor="ctr"/>
           <a:lstStyle/>
           <a:p>
             <a:r>
@@ -4374,7 +4206,7 @@
           </a:fontRef>
         </p:style>
         <p:txBody>
-          <a:bodyPr vert="vert270" rtlCol="0" anchor="ctr"/>
+          <a:bodyPr vert="vert270" lIns="36000" rtlCol="0" anchor="ctr"/>
           <a:lstStyle/>
           <a:p>
             <a:r>
@@ -4475,7 +4307,7 @@
           </a:fontRef>
         </p:style>
         <p:txBody>
-          <a:bodyPr vert="vert270" rtlCol="0" anchor="ctr"/>
+          <a:bodyPr vert="vert270" lIns="36000" rtlCol="0" anchor="ctr"/>
           <a:lstStyle/>
           <a:p>
             <a:r>
@@ -4576,7 +4408,7 @@
           </a:fontRef>
         </p:style>
         <p:txBody>
-          <a:bodyPr vert="vert270" rtlCol="0" anchor="ctr"/>
+          <a:bodyPr vert="vert270" lIns="36000" rtlCol="0" anchor="ctr"/>
           <a:lstStyle/>
           <a:p>
             <a:r>
@@ -4673,7 +4505,7 @@
           </a:fontRef>
         </p:style>
         <p:txBody>
-          <a:bodyPr vert="vert270" rtlCol="0" anchor="ctr"/>
+          <a:bodyPr vert="vert270" lIns="36000" rtlCol="0" anchor="ctr"/>
           <a:lstStyle/>
           <a:p>
             <a:r>
@@ -4770,7 +4602,7 @@
           </a:fontRef>
         </p:style>
         <p:txBody>
-          <a:bodyPr vert="vert270" rtlCol="0" anchor="ctr"/>
+          <a:bodyPr vert="vert270" lIns="36000" rtlCol="0" anchor="ctr"/>
           <a:lstStyle/>
           <a:p>
             <a:r>
@@ -4885,7 +4717,7 @@
             </a:fontRef>
           </p:style>
           <p:txBody>
-            <a:bodyPr vert="vert270" rtlCol="0" anchor="ctr"/>
+            <a:bodyPr vert="vert270" lIns="36000" rtlCol="0" anchor="ctr"/>
             <a:lstStyle/>
             <a:p>
               <a:r>
@@ -4905,8 +4737,8 @@
         </p:nvSpPr>
         <p:spPr>
           <a:xfrm>
-            <a:off x="3854972" y="0"/>
-            <a:ext cx="5289028" cy="584776"/>
+            <a:off x="3854972" y="-338554"/>
+            <a:ext cx="5289028" cy="338554"/>
           </a:xfrm>
           <a:prstGeom prst="rect">
             <a:avLst/>
@@ -4918,12 +4750,6 @@
             <a:spAutoFit/>
           </a:bodyPr>
           <a:lstStyle/>
-          <a:p>
-            <a:r>
-              <a:rPr lang="en-GB" sz="800" smtClean="0"/>
-              <a:t>TODO: was wir nicht beschreiben, aber trotzdem für nennenswert halten, grau färben.</a:t>
-            </a:r>
-          </a:p>
           <a:p>
             <a:r>
               <a:rPr lang="en-GB" sz="800" smtClean="0"/>
@@ -4952,13 +4778,6 @@
               <a:rPr lang="en-US" sz="800" smtClean="0"/>
               <a:t>, BA Maier</a:t>
             </a:r>
-          </a:p>
-          <a:p>
-            <a:r>
-              <a:rPr lang="en-US" sz="800" smtClean="0"/>
-              <a:t>TODO: die roten Dinger wirklich nehmen? Oder kicken? Viele Exploits sind eher geräteabhängig als OS-abhängig.</a:t>
-            </a:r>
-            <a:endParaRPr lang="en-GB" sz="800"/>
           </a:p>
         </p:txBody>
       </p:sp>
@@ -6637,6 +6456,1077 @@
           </a:prstGeom>
         </p:spPr>
       </p:pic>
+      <p:sp>
+        <p:nvSpPr>
+          <p:cNvPr id="77" name="Rectangle 76"/>
+          <p:cNvSpPr/>
+          <p:nvPr/>
+        </p:nvSpPr>
+        <p:spPr>
+          <a:xfrm>
+            <a:off x="5080424" y="3582931"/>
+            <a:ext cx="99634" cy="2726253"/>
+          </a:xfrm>
+          <a:prstGeom prst="rect">
+            <a:avLst/>
+          </a:prstGeom>
+          <a:solidFill>
+            <a:schemeClr val="accent2">
+              <a:alpha val="40000"/>
+            </a:schemeClr>
+          </a:solidFill>
+          <a:ln>
+            <a:noFill/>
+          </a:ln>
+        </p:spPr>
+        <p:style>
+          <a:lnRef idx="2">
+            <a:schemeClr val="accent2">
+              <a:shade val="50000"/>
+            </a:schemeClr>
+          </a:lnRef>
+          <a:fillRef idx="1">
+            <a:schemeClr val="accent2"/>
+          </a:fillRef>
+          <a:effectRef idx="0">
+            <a:schemeClr val="accent2"/>
+          </a:effectRef>
+          <a:fontRef idx="minor">
+            <a:schemeClr val="lt1"/>
+          </a:fontRef>
+        </p:style>
+        <p:txBody>
+          <a:bodyPr vert="vert270" lIns="72000" rtlCol="0" anchor="ctr"/>
+          <a:lstStyle/>
+          <a:p>
+            <a:pPr algn="r"/>
+            <a:r>
+              <a:rPr lang="en-GB" sz="800"/>
+              <a:t>[Samsung devices]</a:t>
+            </a:r>
+          </a:p>
+        </p:txBody>
+      </p:sp>
+      <p:sp>
+        <p:nvSpPr>
+          <p:cNvPr id="84" name="Left Bracket 83"/>
+          <p:cNvSpPr/>
+          <p:nvPr/>
+        </p:nvSpPr>
+        <p:spPr>
+          <a:xfrm>
+            <a:off x="5096494" y="3551217"/>
+            <a:ext cx="86400" cy="108000"/>
+          </a:xfrm>
+          <a:prstGeom prst="leftBracket">
+            <a:avLst/>
+          </a:prstGeom>
+          <a:ln>
+            <a:solidFill>
+              <a:schemeClr val="accent2"/>
+            </a:solidFill>
+          </a:ln>
+          <a:effectLst/>
+          <a:scene3d>
+            <a:camera prst="orthographicFront">
+              <a:rot lat="0" lon="0" rev="16200000"/>
+            </a:camera>
+            <a:lightRig rig="threePt" dir="t"/>
+          </a:scene3d>
+        </p:spPr>
+        <p:style>
+          <a:lnRef idx="2">
+            <a:schemeClr val="accent1"/>
+          </a:lnRef>
+          <a:fillRef idx="0">
+            <a:schemeClr val="accent1"/>
+          </a:fillRef>
+          <a:effectRef idx="1">
+            <a:schemeClr val="accent1"/>
+          </a:effectRef>
+          <a:fontRef idx="minor">
+            <a:schemeClr val="tx1"/>
+          </a:fontRef>
+        </p:style>
+        <p:txBody>
+          <a:bodyPr rtlCol="0" anchor="ctr"/>
+          <a:lstStyle/>
+          <a:p>
+            <a:pPr algn="ctr"/>
+            <a:endParaRPr lang="en-GB"/>
+          </a:p>
+        </p:txBody>
+      </p:sp>
+      <p:sp>
+        <p:nvSpPr>
+          <p:cNvPr id="88" name="Left Bracket 87"/>
+          <p:cNvSpPr/>
+          <p:nvPr/>
+        </p:nvSpPr>
+        <p:spPr>
+          <a:xfrm>
+            <a:off x="5096494" y="6232523"/>
+            <a:ext cx="86400" cy="108000"/>
+          </a:xfrm>
+          <a:prstGeom prst="leftBracket">
+            <a:avLst/>
+          </a:prstGeom>
+          <a:ln>
+            <a:solidFill>
+              <a:schemeClr val="accent2"/>
+            </a:solidFill>
+          </a:ln>
+          <a:effectLst/>
+          <a:scene3d>
+            <a:camera prst="orthographicFront">
+              <a:rot lat="0" lon="0" rev="5400000"/>
+            </a:camera>
+            <a:lightRig rig="threePt" dir="t"/>
+          </a:scene3d>
+        </p:spPr>
+        <p:style>
+          <a:lnRef idx="2">
+            <a:schemeClr val="accent1"/>
+          </a:lnRef>
+          <a:fillRef idx="0">
+            <a:schemeClr val="accent1"/>
+          </a:fillRef>
+          <a:effectRef idx="1">
+            <a:schemeClr val="accent1"/>
+          </a:effectRef>
+          <a:fontRef idx="minor">
+            <a:schemeClr val="tx1"/>
+          </a:fontRef>
+        </p:style>
+        <p:txBody>
+          <a:bodyPr rtlCol="0" anchor="ctr"/>
+          <a:lstStyle/>
+          <a:p>
+            <a:pPr algn="ctr"/>
+            <a:endParaRPr lang="en-GB"/>
+          </a:p>
+        </p:txBody>
+      </p:sp>
+      <p:pic>
+        <p:nvPicPr>
+          <p:cNvPr id="106" name="Picture 105"/>
+          <p:cNvPicPr>
+            <a:picLocks noChangeAspect="1"/>
+          </p:cNvPicPr>
+          <p:nvPr/>
+        </p:nvPicPr>
+        <p:blipFill>
+          <a:blip r:embed="rId7"/>
+          <a:stretch>
+            <a:fillRect/>
+          </a:stretch>
+        </p:blipFill>
+        <p:spPr>
+          <a:xfrm>
+            <a:off x="5054226" y="4940121"/>
+            <a:ext cx="154866" cy="154350"/>
+          </a:xfrm>
+          <a:prstGeom prst="rect">
+            <a:avLst/>
+          </a:prstGeom>
+        </p:spPr>
+      </p:pic>
+      <p:sp>
+        <p:nvSpPr>
+          <p:cNvPr id="107" name="Rectangle 106"/>
+          <p:cNvSpPr/>
+          <p:nvPr/>
+        </p:nvSpPr>
+        <p:spPr>
+          <a:xfrm>
+            <a:off x="7322533" y="3569093"/>
+            <a:ext cx="99634" cy="2726253"/>
+          </a:xfrm>
+          <a:prstGeom prst="rect">
+            <a:avLst/>
+          </a:prstGeom>
+          <a:solidFill>
+            <a:schemeClr val="accent2">
+              <a:alpha val="40000"/>
+            </a:schemeClr>
+          </a:solidFill>
+          <a:ln>
+            <a:noFill/>
+          </a:ln>
+        </p:spPr>
+        <p:style>
+          <a:lnRef idx="2">
+            <a:schemeClr val="accent2">
+              <a:shade val="50000"/>
+            </a:schemeClr>
+          </a:lnRef>
+          <a:fillRef idx="1">
+            <a:schemeClr val="accent2"/>
+          </a:fillRef>
+          <a:effectRef idx="0">
+            <a:schemeClr val="accent2"/>
+          </a:effectRef>
+          <a:fontRef idx="minor">
+            <a:schemeClr val="lt1"/>
+          </a:fontRef>
+        </p:style>
+        <p:txBody>
+          <a:bodyPr rtlCol="0" anchor="ctr"/>
+          <a:lstStyle/>
+          <a:p>
+            <a:pPr algn="ctr"/>
+            <a:endParaRPr lang="en-GB"/>
+          </a:p>
+        </p:txBody>
+      </p:sp>
+      <p:sp>
+        <p:nvSpPr>
+          <p:cNvPr id="108" name="Left Bracket 107"/>
+          <p:cNvSpPr/>
+          <p:nvPr/>
+        </p:nvSpPr>
+        <p:spPr>
+          <a:xfrm>
+            <a:off x="7338603" y="3537379"/>
+            <a:ext cx="86400" cy="108000"/>
+          </a:xfrm>
+          <a:prstGeom prst="leftBracket">
+            <a:avLst/>
+          </a:prstGeom>
+          <a:ln>
+            <a:solidFill>
+              <a:schemeClr val="accent2"/>
+            </a:solidFill>
+          </a:ln>
+          <a:effectLst/>
+          <a:scene3d>
+            <a:camera prst="orthographicFront">
+              <a:rot lat="0" lon="0" rev="16200000"/>
+            </a:camera>
+            <a:lightRig rig="threePt" dir="t"/>
+          </a:scene3d>
+        </p:spPr>
+        <p:style>
+          <a:lnRef idx="2">
+            <a:schemeClr val="accent1"/>
+          </a:lnRef>
+          <a:fillRef idx="0">
+            <a:schemeClr val="accent1"/>
+          </a:fillRef>
+          <a:effectRef idx="1">
+            <a:schemeClr val="accent1"/>
+          </a:effectRef>
+          <a:fontRef idx="minor">
+            <a:schemeClr val="tx1"/>
+          </a:fontRef>
+        </p:style>
+        <p:txBody>
+          <a:bodyPr rtlCol="0" anchor="ctr"/>
+          <a:lstStyle/>
+          <a:p>
+            <a:pPr algn="ctr"/>
+            <a:endParaRPr lang="en-GB"/>
+          </a:p>
+        </p:txBody>
+      </p:sp>
+      <p:sp>
+        <p:nvSpPr>
+          <p:cNvPr id="109" name="Left Bracket 108"/>
+          <p:cNvSpPr/>
+          <p:nvPr/>
+        </p:nvSpPr>
+        <p:spPr>
+          <a:xfrm>
+            <a:off x="7338603" y="6270982"/>
+            <a:ext cx="86400" cy="108000"/>
+          </a:xfrm>
+          <a:prstGeom prst="leftBracket">
+            <a:avLst/>
+          </a:prstGeom>
+          <a:ln>
+            <a:solidFill>
+              <a:schemeClr val="accent2"/>
+            </a:solidFill>
+          </a:ln>
+          <a:effectLst/>
+          <a:scene3d>
+            <a:camera prst="orthographicFront">
+              <a:rot lat="0" lon="0" rev="5400000"/>
+            </a:camera>
+            <a:lightRig rig="threePt" dir="t"/>
+          </a:scene3d>
+        </p:spPr>
+        <p:style>
+          <a:lnRef idx="2">
+            <a:schemeClr val="accent1"/>
+          </a:lnRef>
+          <a:fillRef idx="0">
+            <a:schemeClr val="accent1"/>
+          </a:fillRef>
+          <a:effectRef idx="1">
+            <a:schemeClr val="accent1"/>
+          </a:effectRef>
+          <a:fontRef idx="minor">
+            <a:schemeClr val="tx1"/>
+          </a:fontRef>
+        </p:style>
+        <p:txBody>
+          <a:bodyPr rtlCol="0" anchor="ctr"/>
+          <a:lstStyle/>
+          <a:p>
+            <a:pPr algn="ctr"/>
+            <a:endParaRPr lang="en-GB"/>
+          </a:p>
+        </p:txBody>
+      </p:sp>
+      <p:pic>
+        <p:nvPicPr>
+          <p:cNvPr id="110" name="Picture 109"/>
+          <p:cNvPicPr>
+            <a:picLocks noChangeAspect="1"/>
+          </p:cNvPicPr>
+          <p:nvPr/>
+        </p:nvPicPr>
+        <p:blipFill>
+          <a:blip r:embed="rId7"/>
+          <a:stretch>
+            <a:fillRect/>
+          </a:stretch>
+        </p:blipFill>
+        <p:spPr>
+          <a:xfrm>
+            <a:off x="7296335" y="4926283"/>
+            <a:ext cx="154866" cy="154350"/>
+          </a:xfrm>
+          <a:prstGeom prst="rect">
+            <a:avLst/>
+          </a:prstGeom>
+        </p:spPr>
+      </p:pic>
+      <p:sp>
+        <p:nvSpPr>
+          <p:cNvPr id="111" name="Rectangle 110"/>
+          <p:cNvSpPr/>
+          <p:nvPr/>
+        </p:nvSpPr>
+        <p:spPr>
+          <a:xfrm>
+            <a:off x="7841145" y="3573926"/>
+            <a:ext cx="99634" cy="2726253"/>
+          </a:xfrm>
+          <a:prstGeom prst="rect">
+            <a:avLst/>
+          </a:prstGeom>
+          <a:solidFill>
+            <a:schemeClr val="accent2">
+              <a:alpha val="40000"/>
+            </a:schemeClr>
+          </a:solidFill>
+          <a:ln>
+            <a:noFill/>
+          </a:ln>
+        </p:spPr>
+        <p:style>
+          <a:lnRef idx="2">
+            <a:schemeClr val="accent2">
+              <a:shade val="50000"/>
+            </a:schemeClr>
+          </a:lnRef>
+          <a:fillRef idx="1">
+            <a:schemeClr val="accent2"/>
+          </a:fillRef>
+          <a:effectRef idx="0">
+            <a:schemeClr val="accent2"/>
+          </a:effectRef>
+          <a:fontRef idx="minor">
+            <a:schemeClr val="lt1"/>
+          </a:fontRef>
+        </p:style>
+        <p:txBody>
+          <a:bodyPr rtlCol="0" anchor="ctr"/>
+          <a:lstStyle/>
+          <a:p>
+            <a:pPr algn="ctr"/>
+            <a:endParaRPr lang="en-GB"/>
+          </a:p>
+        </p:txBody>
+      </p:sp>
+      <p:sp>
+        <p:nvSpPr>
+          <p:cNvPr id="112" name="Left Bracket 111"/>
+          <p:cNvSpPr/>
+          <p:nvPr/>
+        </p:nvSpPr>
+        <p:spPr>
+          <a:xfrm>
+            <a:off x="7857215" y="3542212"/>
+            <a:ext cx="86400" cy="108000"/>
+          </a:xfrm>
+          <a:prstGeom prst="leftBracket">
+            <a:avLst/>
+          </a:prstGeom>
+          <a:ln>
+            <a:solidFill>
+              <a:schemeClr val="accent2"/>
+            </a:solidFill>
+          </a:ln>
+          <a:effectLst/>
+          <a:scene3d>
+            <a:camera prst="orthographicFront">
+              <a:rot lat="0" lon="0" rev="16200000"/>
+            </a:camera>
+            <a:lightRig rig="threePt" dir="t"/>
+          </a:scene3d>
+        </p:spPr>
+        <p:style>
+          <a:lnRef idx="2">
+            <a:schemeClr val="accent1"/>
+          </a:lnRef>
+          <a:fillRef idx="0">
+            <a:schemeClr val="accent1"/>
+          </a:fillRef>
+          <a:effectRef idx="1">
+            <a:schemeClr val="accent1"/>
+          </a:effectRef>
+          <a:fontRef idx="minor">
+            <a:schemeClr val="tx1"/>
+          </a:fontRef>
+        </p:style>
+        <p:txBody>
+          <a:bodyPr rtlCol="0" anchor="ctr"/>
+          <a:lstStyle/>
+          <a:p>
+            <a:pPr algn="ctr"/>
+            <a:endParaRPr lang="en-GB"/>
+          </a:p>
+        </p:txBody>
+      </p:sp>
+      <p:sp>
+        <p:nvSpPr>
+          <p:cNvPr id="113" name="Left Bracket 112"/>
+          <p:cNvSpPr/>
+          <p:nvPr/>
+        </p:nvSpPr>
+        <p:spPr>
+          <a:xfrm>
+            <a:off x="7857215" y="6268344"/>
+            <a:ext cx="86400" cy="108000"/>
+          </a:xfrm>
+          <a:prstGeom prst="leftBracket">
+            <a:avLst/>
+          </a:prstGeom>
+          <a:ln>
+            <a:solidFill>
+              <a:schemeClr val="accent2"/>
+            </a:solidFill>
+          </a:ln>
+          <a:effectLst/>
+          <a:scene3d>
+            <a:camera prst="orthographicFront">
+              <a:rot lat="0" lon="0" rev="5400000"/>
+            </a:camera>
+            <a:lightRig rig="threePt" dir="t"/>
+          </a:scene3d>
+        </p:spPr>
+        <p:style>
+          <a:lnRef idx="2">
+            <a:schemeClr val="accent1"/>
+          </a:lnRef>
+          <a:fillRef idx="0">
+            <a:schemeClr val="accent1"/>
+          </a:fillRef>
+          <a:effectRef idx="1">
+            <a:schemeClr val="accent1"/>
+          </a:effectRef>
+          <a:fontRef idx="minor">
+            <a:schemeClr val="tx1"/>
+          </a:fontRef>
+        </p:style>
+        <p:txBody>
+          <a:bodyPr rtlCol="0" anchor="ctr"/>
+          <a:lstStyle/>
+          <a:p>
+            <a:pPr algn="ctr"/>
+            <a:endParaRPr lang="en-GB"/>
+          </a:p>
+        </p:txBody>
+      </p:sp>
+      <p:pic>
+        <p:nvPicPr>
+          <p:cNvPr id="114" name="Picture 113"/>
+          <p:cNvPicPr>
+            <a:picLocks noChangeAspect="1"/>
+          </p:cNvPicPr>
+          <p:nvPr/>
+        </p:nvPicPr>
+        <p:blipFill>
+          <a:blip r:embed="rId7"/>
+          <a:stretch>
+            <a:fillRect/>
+          </a:stretch>
+        </p:blipFill>
+        <p:spPr>
+          <a:xfrm>
+            <a:off x="7814947" y="4931116"/>
+            <a:ext cx="154866" cy="154350"/>
+          </a:xfrm>
+          <a:prstGeom prst="rect">
+            <a:avLst/>
+          </a:prstGeom>
+        </p:spPr>
+      </p:pic>
+      <p:sp>
+        <p:nvSpPr>
+          <p:cNvPr id="14" name="TextBox 13"/>
+          <p:cNvSpPr txBox="1"/>
+          <p:nvPr/>
+        </p:nvSpPr>
+        <p:spPr>
+          <a:xfrm>
+            <a:off x="7331484" y="3108907"/>
+            <a:ext cx="652643" cy="369332"/>
+          </a:xfrm>
+          <a:prstGeom prst="rect">
+            <a:avLst/>
+          </a:prstGeom>
+          <a:noFill/>
+        </p:spPr>
+        <p:txBody>
+          <a:bodyPr wrap="none" rtlCol="0">
+            <a:spAutoFit/>
+          </a:bodyPr>
+          <a:lstStyle/>
+          <a:p>
+            <a:r>
+              <a:rPr lang="en-GB" b="1" dirty="0" smtClean="0">
+                <a:solidFill>
+                  <a:schemeClr val="bg1">
+                    <a:lumMod val="50000"/>
+                  </a:schemeClr>
+                </a:solidFill>
+              </a:rPr>
+              <a:t>2014</a:t>
+            </a:r>
+            <a:endParaRPr lang="en-GB" b="1" dirty="0">
+              <a:solidFill>
+                <a:schemeClr val="bg1">
+                  <a:lumMod val="50000"/>
+                </a:schemeClr>
+              </a:solidFill>
+            </a:endParaRPr>
+          </a:p>
+        </p:txBody>
+      </p:sp>
+      <p:sp>
+        <p:nvSpPr>
+          <p:cNvPr id="15" name="TextBox 14"/>
+          <p:cNvSpPr txBox="1"/>
+          <p:nvPr/>
+        </p:nvSpPr>
+        <p:spPr>
+          <a:xfrm>
+            <a:off x="2601641" y="3112785"/>
+            <a:ext cx="652643" cy="369332"/>
+          </a:xfrm>
+          <a:prstGeom prst="rect">
+            <a:avLst/>
+          </a:prstGeom>
+          <a:noFill/>
+        </p:spPr>
+        <p:txBody>
+          <a:bodyPr wrap="none" rtlCol="0">
+            <a:spAutoFit/>
+          </a:bodyPr>
+          <a:lstStyle/>
+          <a:p>
+            <a:r>
+              <a:rPr lang="en-GB" b="1" dirty="0" smtClean="0">
+                <a:solidFill>
+                  <a:schemeClr val="bg1">
+                    <a:lumMod val="50000"/>
+                  </a:schemeClr>
+                </a:solidFill>
+              </a:rPr>
+              <a:t>2011</a:t>
+            </a:r>
+            <a:endParaRPr lang="en-GB" b="1" dirty="0">
+              <a:solidFill>
+                <a:schemeClr val="bg1">
+                  <a:lumMod val="50000"/>
+                </a:schemeClr>
+              </a:solidFill>
+            </a:endParaRPr>
+          </a:p>
+        </p:txBody>
+      </p:sp>
+      <p:sp>
+        <p:nvSpPr>
+          <p:cNvPr id="16" name="TextBox 15"/>
+          <p:cNvSpPr txBox="1"/>
+          <p:nvPr/>
+        </p:nvSpPr>
+        <p:spPr>
+          <a:xfrm>
+            <a:off x="4178255" y="3112785"/>
+            <a:ext cx="652643" cy="369332"/>
+          </a:xfrm>
+          <a:prstGeom prst="rect">
+            <a:avLst/>
+          </a:prstGeom>
+          <a:noFill/>
+        </p:spPr>
+        <p:txBody>
+          <a:bodyPr wrap="none" rtlCol="0">
+            <a:spAutoFit/>
+          </a:bodyPr>
+          <a:lstStyle/>
+          <a:p>
+            <a:r>
+              <a:rPr lang="en-GB" b="1" dirty="0" smtClean="0">
+                <a:solidFill>
+                  <a:schemeClr val="bg1">
+                    <a:lumMod val="50000"/>
+                  </a:schemeClr>
+                </a:solidFill>
+              </a:rPr>
+              <a:t>2012</a:t>
+            </a:r>
+            <a:endParaRPr lang="en-GB" b="1" dirty="0">
+              <a:solidFill>
+                <a:schemeClr val="bg1">
+                  <a:lumMod val="50000"/>
+                </a:schemeClr>
+              </a:solidFill>
+            </a:endParaRPr>
+          </a:p>
+        </p:txBody>
+      </p:sp>
+      <p:sp>
+        <p:nvSpPr>
+          <p:cNvPr id="17" name="TextBox 16"/>
+          <p:cNvSpPr txBox="1"/>
+          <p:nvPr/>
+        </p:nvSpPr>
+        <p:spPr>
+          <a:xfrm>
+            <a:off x="5754869" y="3112785"/>
+            <a:ext cx="652643" cy="369332"/>
+          </a:xfrm>
+          <a:prstGeom prst="rect">
+            <a:avLst/>
+          </a:prstGeom>
+          <a:noFill/>
+        </p:spPr>
+        <p:txBody>
+          <a:bodyPr wrap="none" rtlCol="0">
+            <a:spAutoFit/>
+          </a:bodyPr>
+          <a:lstStyle/>
+          <a:p>
+            <a:r>
+              <a:rPr lang="en-GB" b="1" dirty="0" smtClean="0">
+                <a:solidFill>
+                  <a:schemeClr val="bg1">
+                    <a:lumMod val="50000"/>
+                  </a:schemeClr>
+                </a:solidFill>
+              </a:rPr>
+              <a:t>2013</a:t>
+            </a:r>
+            <a:endParaRPr lang="en-GB" b="1" dirty="0">
+              <a:solidFill>
+                <a:schemeClr val="bg1">
+                  <a:lumMod val="50000"/>
+                </a:schemeClr>
+              </a:solidFill>
+            </a:endParaRPr>
+          </a:p>
+        </p:txBody>
+      </p:sp>
+      <p:cxnSp>
+        <p:nvCxnSpPr>
+          <p:cNvPr id="115" name="Straight Connector 114"/>
+          <p:cNvCxnSpPr>
+            <a:stCxn id="116" idx="2"/>
+          </p:cNvCxnSpPr>
+          <p:nvPr/>
+        </p:nvCxnSpPr>
+        <p:spPr>
+          <a:xfrm>
+            <a:off x="5803161" y="2903526"/>
+            <a:ext cx="0" cy="665567"/>
+          </a:xfrm>
+          <a:prstGeom prst="line">
+            <a:avLst/>
+          </a:prstGeom>
+          <a:ln>
+            <a:solidFill>
+              <a:schemeClr val="accent1"/>
+            </a:solidFill>
+            <a:prstDash val="dash"/>
+          </a:ln>
+        </p:spPr>
+        <p:style>
+          <a:lnRef idx="2">
+            <a:schemeClr val="accent1"/>
+          </a:lnRef>
+          <a:fillRef idx="0">
+            <a:schemeClr val="accent1"/>
+          </a:fillRef>
+          <a:effectRef idx="1">
+            <a:schemeClr val="accent1"/>
+          </a:effectRef>
+          <a:fontRef idx="minor">
+            <a:schemeClr val="tx1"/>
+          </a:fontRef>
+        </p:style>
+      </p:cxnSp>
+      <p:sp>
+        <p:nvSpPr>
+          <p:cNvPr id="116" name="Rectangle 115"/>
+          <p:cNvSpPr/>
+          <p:nvPr/>
+        </p:nvSpPr>
+        <p:spPr>
+          <a:xfrm>
+            <a:off x="5659471" y="817619"/>
+            <a:ext cx="287379" cy="2085907"/>
+          </a:xfrm>
+          <a:prstGeom prst="rect">
+            <a:avLst/>
+          </a:prstGeom>
+          <a:gradFill>
+            <a:gsLst>
+              <a:gs pos="41000">
+                <a:schemeClr val="tx1">
+                  <a:lumMod val="65000"/>
+                  <a:lumOff val="35000"/>
+                </a:schemeClr>
+              </a:gs>
+              <a:gs pos="100000">
+                <a:schemeClr val="bg1">
+                  <a:lumMod val="85000"/>
+                </a:schemeClr>
+              </a:gs>
+              <a:gs pos="77000">
+                <a:schemeClr val="bg1">
+                  <a:lumMod val="65000"/>
+                </a:schemeClr>
+              </a:gs>
+            </a:gsLst>
+          </a:gradFill>
+          <a:ln>
+            <a:prstDash val="dash"/>
+          </a:ln>
+        </p:spPr>
+        <p:style>
+          <a:lnRef idx="1">
+            <a:schemeClr val="accent1"/>
+          </a:lnRef>
+          <a:fillRef idx="3">
+            <a:schemeClr val="accent1"/>
+          </a:fillRef>
+          <a:effectRef idx="2">
+            <a:schemeClr val="accent1"/>
+          </a:effectRef>
+          <a:fontRef idx="minor">
+            <a:schemeClr val="lt1"/>
+          </a:fontRef>
+        </p:style>
+        <p:txBody>
+          <a:bodyPr vert="vert270" lIns="36000" rtlCol="0" anchor="ctr"/>
+          <a:lstStyle/>
+          <a:p>
+            <a:r>
+              <a:rPr lang="en-GB" sz="1600" dirty="0" smtClean="0"/>
+              <a:t> </a:t>
+            </a:r>
+            <a:r>
+              <a:rPr lang="en-GB" sz="1600" dirty="0" err="1" smtClean="0"/>
+              <a:t>Several Qualcomm Vul.</a:t>
+            </a:r>
+            <a:endParaRPr lang="en-GB" sz="1600" dirty="0"/>
+          </a:p>
+        </p:txBody>
+      </p:sp>
+      <p:pic>
+        <p:nvPicPr>
+          <p:cNvPr id="117" name="Picture 116"/>
+          <p:cNvPicPr>
+            <a:picLocks noChangeAspect="1"/>
+          </p:cNvPicPr>
+          <p:nvPr/>
+        </p:nvPicPr>
+        <p:blipFill>
+          <a:blip r:embed="rId7"/>
+          <a:stretch>
+            <a:fillRect/>
+          </a:stretch>
+        </p:blipFill>
+        <p:spPr>
+          <a:xfrm>
+            <a:off x="3541486" y="4891333"/>
+            <a:ext cx="154866" cy="154350"/>
+          </a:xfrm>
+          <a:prstGeom prst="rect">
+            <a:avLst/>
+          </a:prstGeom>
+        </p:spPr>
+      </p:pic>
+      <p:sp>
+        <p:nvSpPr>
+          <p:cNvPr id="118" name="Rectangle 117"/>
+          <p:cNvSpPr/>
+          <p:nvPr/>
+        </p:nvSpPr>
+        <p:spPr>
+          <a:xfrm>
+            <a:off x="3568945" y="3881338"/>
+            <a:ext cx="99634" cy="2008585"/>
+          </a:xfrm>
+          <a:prstGeom prst="rect">
+            <a:avLst/>
+          </a:prstGeom>
+          <a:solidFill>
+            <a:schemeClr val="accent2">
+              <a:alpha val="40000"/>
+            </a:schemeClr>
+          </a:solidFill>
+          <a:ln>
+            <a:noFill/>
+          </a:ln>
+        </p:spPr>
+        <p:style>
+          <a:lnRef idx="2">
+            <a:schemeClr val="accent2">
+              <a:shade val="50000"/>
+            </a:schemeClr>
+          </a:lnRef>
+          <a:fillRef idx="1">
+            <a:schemeClr val="accent2"/>
+          </a:fillRef>
+          <a:effectRef idx="0">
+            <a:schemeClr val="accent2"/>
+          </a:effectRef>
+          <a:fontRef idx="minor">
+            <a:schemeClr val="lt1"/>
+          </a:fontRef>
+        </p:style>
+        <p:txBody>
+          <a:bodyPr rtlCol="0" anchor="ctr"/>
+          <a:lstStyle/>
+          <a:p>
+            <a:pPr algn="ctr"/>
+            <a:endParaRPr lang="en-GB"/>
+          </a:p>
+        </p:txBody>
+      </p:sp>
+      <p:sp>
+        <p:nvSpPr>
+          <p:cNvPr id="119" name="Left Bracket 118"/>
+          <p:cNvSpPr/>
+          <p:nvPr/>
+        </p:nvSpPr>
+        <p:spPr>
+          <a:xfrm>
+            <a:off x="3585015" y="3849624"/>
+            <a:ext cx="86400" cy="108000"/>
+          </a:xfrm>
+          <a:prstGeom prst="leftBracket">
+            <a:avLst/>
+          </a:prstGeom>
+          <a:ln>
+            <a:solidFill>
+              <a:schemeClr val="accent2"/>
+            </a:solidFill>
+          </a:ln>
+          <a:effectLst/>
+          <a:scene3d>
+            <a:camera prst="orthographicFront">
+              <a:rot lat="0" lon="0" rev="16200000"/>
+            </a:camera>
+            <a:lightRig rig="threePt" dir="t"/>
+          </a:scene3d>
+        </p:spPr>
+        <p:style>
+          <a:lnRef idx="2">
+            <a:schemeClr val="accent1"/>
+          </a:lnRef>
+          <a:fillRef idx="0">
+            <a:schemeClr val="accent1"/>
+          </a:fillRef>
+          <a:effectRef idx="1">
+            <a:schemeClr val="accent1"/>
+          </a:effectRef>
+          <a:fontRef idx="minor">
+            <a:schemeClr val="tx1"/>
+          </a:fontRef>
+        </p:style>
+        <p:txBody>
+          <a:bodyPr rtlCol="0" anchor="ctr"/>
+          <a:lstStyle/>
+          <a:p>
+            <a:pPr algn="ctr"/>
+            <a:endParaRPr lang="en-GB"/>
+          </a:p>
+        </p:txBody>
+      </p:sp>
+      <p:sp>
+        <p:nvSpPr>
+          <p:cNvPr id="120" name="Left Bracket 119"/>
+          <p:cNvSpPr/>
+          <p:nvPr/>
+        </p:nvSpPr>
+        <p:spPr>
+          <a:xfrm>
+            <a:off x="3585015" y="5813714"/>
+            <a:ext cx="86400" cy="108000"/>
+          </a:xfrm>
+          <a:prstGeom prst="leftBracket">
+            <a:avLst/>
+          </a:prstGeom>
+          <a:ln>
+            <a:solidFill>
+              <a:schemeClr val="accent2"/>
+            </a:solidFill>
+          </a:ln>
+          <a:effectLst/>
+          <a:scene3d>
+            <a:camera prst="orthographicFront">
+              <a:rot lat="0" lon="0" rev="5400000"/>
+            </a:camera>
+            <a:lightRig rig="threePt" dir="t"/>
+          </a:scene3d>
+        </p:spPr>
+        <p:style>
+          <a:lnRef idx="2">
+            <a:schemeClr val="accent1"/>
+          </a:lnRef>
+          <a:fillRef idx="0">
+            <a:schemeClr val="accent1"/>
+          </a:fillRef>
+          <a:effectRef idx="1">
+            <a:schemeClr val="accent1"/>
+          </a:effectRef>
+          <a:fontRef idx="minor">
+            <a:schemeClr val="tx1"/>
+          </a:fontRef>
+        </p:style>
+        <p:txBody>
+          <a:bodyPr rtlCol="0" anchor="ctr"/>
+          <a:lstStyle/>
+          <a:p>
+            <a:pPr algn="ctr"/>
+            <a:endParaRPr lang="en-GB"/>
+          </a:p>
+        </p:txBody>
+      </p:sp>
+      <p:cxnSp>
+        <p:nvCxnSpPr>
+          <p:cNvPr id="121" name="Straight Connector 120"/>
+          <p:cNvCxnSpPr>
+            <a:stCxn id="122" idx="2"/>
+          </p:cNvCxnSpPr>
+          <p:nvPr/>
+        </p:nvCxnSpPr>
+        <p:spPr>
+          <a:xfrm>
+            <a:off x="6463561" y="2903526"/>
+            <a:ext cx="0" cy="665567"/>
+          </a:xfrm>
+          <a:prstGeom prst="line">
+            <a:avLst/>
+          </a:prstGeom>
+          <a:ln>
+            <a:solidFill>
+              <a:schemeClr val="accent1"/>
+            </a:solidFill>
+            <a:prstDash val="dash"/>
+          </a:ln>
+        </p:spPr>
+        <p:style>
+          <a:lnRef idx="2">
+            <a:schemeClr val="accent1"/>
+          </a:lnRef>
+          <a:fillRef idx="0">
+            <a:schemeClr val="accent1"/>
+          </a:fillRef>
+          <a:effectRef idx="1">
+            <a:schemeClr val="accent1"/>
+          </a:effectRef>
+          <a:fontRef idx="minor">
+            <a:schemeClr val="tx1"/>
+          </a:fontRef>
+        </p:style>
+      </p:cxnSp>
+      <p:sp>
+        <p:nvSpPr>
+          <p:cNvPr id="122" name="Rectangle 121"/>
+          <p:cNvSpPr/>
+          <p:nvPr/>
+        </p:nvSpPr>
+        <p:spPr>
+          <a:xfrm>
+            <a:off x="6319871" y="817619"/>
+            <a:ext cx="287379" cy="2085907"/>
+          </a:xfrm>
+          <a:prstGeom prst="rect">
+            <a:avLst/>
+          </a:prstGeom>
+          <a:gradFill>
+            <a:gsLst>
+              <a:gs pos="41000">
+                <a:schemeClr val="tx1">
+                  <a:lumMod val="65000"/>
+                  <a:lumOff val="35000"/>
+                </a:schemeClr>
+              </a:gs>
+              <a:gs pos="100000">
+                <a:schemeClr val="bg1">
+                  <a:lumMod val="85000"/>
+                </a:schemeClr>
+              </a:gs>
+              <a:gs pos="77000">
+                <a:schemeClr val="bg1">
+                  <a:lumMod val="65000"/>
+                </a:schemeClr>
+              </a:gs>
+            </a:gsLst>
+          </a:gradFill>
+          <a:ln>
+            <a:prstDash val="dash"/>
+          </a:ln>
+        </p:spPr>
+        <p:style>
+          <a:lnRef idx="1">
+            <a:schemeClr val="accent1"/>
+          </a:lnRef>
+          <a:fillRef idx="3">
+            <a:schemeClr val="accent1"/>
+          </a:fillRef>
+          <a:effectRef idx="2">
+            <a:schemeClr val="accent1"/>
+          </a:effectRef>
+          <a:fontRef idx="minor">
+            <a:schemeClr val="lt1"/>
+          </a:fontRef>
+        </p:style>
+        <p:txBody>
+          <a:bodyPr vert="vert270" lIns="36000" rtlCol="0" anchor="ctr"/>
+          <a:lstStyle/>
+          <a:p>
+            <a:r>
+              <a:rPr lang="en-GB" sz="1600" dirty="0" smtClean="0"/>
+              <a:t> </a:t>
+            </a:r>
+            <a:r>
+              <a:rPr lang="en-GB" sz="1600" dirty="0" err="1" smtClean="0"/>
+              <a:t>Sev. APK vulnerabilities</a:t>
+            </a:r>
+            <a:endParaRPr lang="en-GB" sz="1600" dirty="0"/>
+          </a:p>
+        </p:txBody>
+      </p:sp>
     </p:spTree>
     <p:extLst>
       <p:ext uri="{BB962C8B-B14F-4D97-AF65-F5344CB8AC3E}">

--- a/ppt/timeline.pptx
+++ b/ppt/timeline.pptx
@@ -4625,7 +4625,7 @@
         </p:nvGrpSpPr>
         <p:grpSpPr>
           <a:xfrm>
-            <a:off x="4986551" y="817619"/>
+            <a:off x="4799776" y="817619"/>
             <a:ext cx="287379" cy="5645856"/>
             <a:chOff x="6498486" y="899258"/>
             <a:chExt cx="287379" cy="5645856"/>
@@ -6464,8 +6464,8 @@
         </p:nvSpPr>
         <p:spPr>
           <a:xfrm>
-            <a:off x="5080424" y="3582931"/>
-            <a:ext cx="99634" cy="2726253"/>
+            <a:off x="4893649" y="3582930"/>
+            <a:ext cx="99634" cy="2753516"/>
           </a:xfrm>
           <a:prstGeom prst="rect">
             <a:avLst/>
@@ -6515,7 +6515,7 @@
         </p:nvSpPr>
         <p:spPr>
           <a:xfrm>
-            <a:off x="5096494" y="3551217"/>
+            <a:off x="4909719" y="3551217"/>
             <a:ext cx="86400" cy="108000"/>
           </a:xfrm>
           <a:prstGeom prst="leftBracket">
@@ -6565,7 +6565,7 @@
         </p:nvSpPr>
         <p:spPr>
           <a:xfrm>
-            <a:off x="5096494" y="6232523"/>
+            <a:off x="4909719" y="6262407"/>
             <a:ext cx="86400" cy="108000"/>
           </a:xfrm>
           <a:prstGeom prst="leftBracket">
@@ -6623,7 +6623,7 @@
         </p:blipFill>
         <p:spPr>
           <a:xfrm>
-            <a:off x="5054226" y="4940121"/>
+            <a:off x="4867451" y="4940121"/>
             <a:ext cx="154866" cy="154350"/>
           </a:xfrm>
           <a:prstGeom prst="rect">
@@ -7243,7 +7243,7 @@
             </a:r>
             <a:r>
               <a:rPr lang="en-GB" sz="1600" dirty="0" err="1" smtClean="0"/>
-              <a:t>Several Qualcomm Vul.</a:t>
+              <a:t>Several Qualcomm vul.</a:t>
             </a:r>
             <a:endParaRPr lang="en-GB" sz="1600" dirty="0"/>
           </a:p>
@@ -7527,6 +7527,336 @@
           </a:p>
         </p:txBody>
       </p:sp>
+      <p:pic>
+        <p:nvPicPr>
+          <p:cNvPr id="8" name="Picture 7" descr="android-icon.png"/>
+          <p:cNvPicPr>
+            <a:picLocks noChangeAspect="1"/>
+          </p:cNvPicPr>
+          <p:nvPr/>
+        </p:nvPicPr>
+        <p:blipFill>
+          <a:blip r:embed="rId8">
+            <a:extLst>
+              <a:ext uri="{28A0092B-C50C-407E-A947-70E740481C1C}">
+                <a14:useLocalDpi xmlns:a14="http://schemas.microsoft.com/office/drawing/2010/main" val="0"/>
+              </a:ext>
+            </a:extLst>
+          </a:blip>
+          <a:stretch>
+            <a:fillRect/>
+          </a:stretch>
+        </p:blipFill>
+        <p:spPr>
+          <a:xfrm>
+            <a:off x="7230145" y="479808"/>
+            <a:ext cx="442111" cy="442111"/>
+          </a:xfrm>
+          <a:prstGeom prst="rect">
+            <a:avLst/>
+          </a:prstGeom>
+        </p:spPr>
+      </p:pic>
+      <p:pic>
+        <p:nvPicPr>
+          <p:cNvPr id="18" name="Picture 17" descr="linux.png"/>
+          <p:cNvPicPr>
+            <a:picLocks noChangeAspect="1"/>
+          </p:cNvPicPr>
+          <p:nvPr/>
+        </p:nvPicPr>
+        <p:blipFill>
+          <a:blip r:embed="rId9">
+            <a:extLst>
+              <a:ext uri="{28A0092B-C50C-407E-A947-70E740481C1C}">
+                <a14:useLocalDpi xmlns:a14="http://schemas.microsoft.com/office/drawing/2010/main" val="0"/>
+              </a:ext>
+            </a:extLst>
+          </a:blip>
+          <a:stretch>
+            <a:fillRect/>
+          </a:stretch>
+        </p:blipFill>
+        <p:spPr>
+          <a:xfrm>
+            <a:off x="7814948" y="509357"/>
+            <a:ext cx="380288" cy="380288"/>
+          </a:xfrm>
+          <a:prstGeom prst="rect">
+            <a:avLst/>
+          </a:prstGeom>
+        </p:spPr>
+      </p:pic>
+      <p:pic>
+        <p:nvPicPr>
+          <p:cNvPr id="20" name="Picture 19" descr="smart_phone_icon.png"/>
+          <p:cNvPicPr>
+            <a:picLocks noChangeAspect="1"/>
+          </p:cNvPicPr>
+          <p:nvPr/>
+        </p:nvPicPr>
+        <p:blipFill>
+          <a:blip r:embed="rId10">
+            <a:extLst>
+              <a:ext uri="{28A0092B-C50C-407E-A947-70E740481C1C}">
+                <a14:useLocalDpi xmlns:a14="http://schemas.microsoft.com/office/drawing/2010/main" val="0"/>
+              </a:ext>
+            </a:extLst>
+          </a:blip>
+          <a:stretch>
+            <a:fillRect/>
+          </a:stretch>
+        </p:blipFill>
+        <p:spPr>
+          <a:xfrm>
+            <a:off x="5788219" y="591261"/>
+            <a:ext cx="194048" cy="342073"/>
+          </a:xfrm>
+          <a:prstGeom prst="rect">
+            <a:avLst/>
+          </a:prstGeom>
+        </p:spPr>
+      </p:pic>
+      <p:pic>
+        <p:nvPicPr>
+          <p:cNvPr id="123" name="Picture 122" descr="android-icon.png"/>
+          <p:cNvPicPr>
+            <a:picLocks noChangeAspect="1"/>
+          </p:cNvPicPr>
+          <p:nvPr/>
+        </p:nvPicPr>
+        <p:blipFill>
+          <a:blip r:embed="rId8">
+            <a:extLst>
+              <a:ext uri="{28A0092B-C50C-407E-A947-70E740481C1C}">
+                <a14:useLocalDpi xmlns:a14="http://schemas.microsoft.com/office/drawing/2010/main" val="0"/>
+              </a:ext>
+            </a:extLst>
+          </a:blip>
+          <a:stretch>
+            <a:fillRect/>
+          </a:stretch>
+        </p:blipFill>
+        <p:spPr>
+          <a:xfrm>
+            <a:off x="6319871" y="491223"/>
+            <a:ext cx="442111" cy="442111"/>
+          </a:xfrm>
+          <a:prstGeom prst="rect">
+            <a:avLst/>
+          </a:prstGeom>
+        </p:spPr>
+      </p:pic>
+      <p:pic>
+        <p:nvPicPr>
+          <p:cNvPr id="124" name="Picture 123" descr="smart_phone_icon.png"/>
+          <p:cNvPicPr>
+            <a:picLocks noChangeAspect="1"/>
+          </p:cNvPicPr>
+          <p:nvPr/>
+        </p:nvPicPr>
+        <p:blipFill>
+          <a:blip r:embed="rId10">
+            <a:extLst>
+              <a:ext uri="{28A0092B-C50C-407E-A947-70E740481C1C}">
+                <a14:useLocalDpi xmlns:a14="http://schemas.microsoft.com/office/drawing/2010/main" val="0"/>
+              </a:ext>
+            </a:extLst>
+          </a:blip>
+          <a:stretch>
+            <a:fillRect/>
+          </a:stretch>
+        </p:blipFill>
+        <p:spPr>
+          <a:xfrm>
+            <a:off x="4925293" y="591261"/>
+            <a:ext cx="194048" cy="342073"/>
+          </a:xfrm>
+          <a:prstGeom prst="rect">
+            <a:avLst/>
+          </a:prstGeom>
+        </p:spPr>
+      </p:pic>
+      <p:pic>
+        <p:nvPicPr>
+          <p:cNvPr id="125" name="Picture 124" descr="smart_phone_icon.png"/>
+          <p:cNvPicPr>
+            <a:picLocks noChangeAspect="1"/>
+          </p:cNvPicPr>
+          <p:nvPr/>
+        </p:nvPicPr>
+        <p:blipFill>
+          <a:blip r:embed="rId10">
+            <a:extLst>
+              <a:ext uri="{28A0092B-C50C-407E-A947-70E740481C1C}">
+                <a14:useLocalDpi xmlns:a14="http://schemas.microsoft.com/office/drawing/2010/main" val="0"/>
+              </a:ext>
+            </a:extLst>
+          </a:blip>
+          <a:stretch>
+            <a:fillRect/>
+          </a:stretch>
+        </p:blipFill>
+        <p:spPr>
+          <a:xfrm>
+            <a:off x="3231871" y="546435"/>
+            <a:ext cx="194048" cy="342073"/>
+          </a:xfrm>
+          <a:prstGeom prst="rect">
+            <a:avLst/>
+          </a:prstGeom>
+        </p:spPr>
+      </p:pic>
+      <p:pic>
+        <p:nvPicPr>
+          <p:cNvPr id="126" name="Picture 125" descr="linux.png"/>
+          <p:cNvPicPr>
+            <a:picLocks noChangeAspect="1"/>
+          </p:cNvPicPr>
+          <p:nvPr/>
+        </p:nvPicPr>
+        <p:blipFill>
+          <a:blip r:embed="rId9">
+            <a:extLst>
+              <a:ext uri="{28A0092B-C50C-407E-A947-70E740481C1C}">
+                <a14:useLocalDpi xmlns:a14="http://schemas.microsoft.com/office/drawing/2010/main" val="0"/>
+              </a:ext>
+            </a:extLst>
+          </a:blip>
+          <a:stretch>
+            <a:fillRect/>
+          </a:stretch>
+        </p:blipFill>
+        <p:spPr>
+          <a:xfrm>
+            <a:off x="2814545" y="523162"/>
+            <a:ext cx="380288" cy="380288"/>
+          </a:xfrm>
+          <a:prstGeom prst="rect">
+            <a:avLst/>
+          </a:prstGeom>
+        </p:spPr>
+      </p:pic>
+      <p:pic>
+        <p:nvPicPr>
+          <p:cNvPr id="127" name="Picture 126" descr="android-icon.png"/>
+          <p:cNvPicPr>
+            <a:picLocks noChangeAspect="1"/>
+          </p:cNvPicPr>
+          <p:nvPr/>
+        </p:nvPicPr>
+        <p:blipFill>
+          <a:blip r:embed="rId8">
+            <a:extLst>
+              <a:ext uri="{28A0092B-C50C-407E-A947-70E740481C1C}">
+                <a14:useLocalDpi xmlns:a14="http://schemas.microsoft.com/office/drawing/2010/main" val="0"/>
+              </a:ext>
+            </a:extLst>
+          </a:blip>
+          <a:stretch>
+            <a:fillRect/>
+          </a:stretch>
+        </p:blipFill>
+        <p:spPr>
+          <a:xfrm>
+            <a:off x="2067039" y="491868"/>
+            <a:ext cx="442111" cy="442111"/>
+          </a:xfrm>
+          <a:prstGeom prst="rect">
+            <a:avLst/>
+          </a:prstGeom>
+        </p:spPr>
+      </p:pic>
+      <p:pic>
+        <p:nvPicPr>
+          <p:cNvPr id="128" name="Picture 127" descr="android-icon.png"/>
+          <p:cNvPicPr>
+            <a:picLocks noChangeAspect="1"/>
+          </p:cNvPicPr>
+          <p:nvPr/>
+        </p:nvPicPr>
+        <p:blipFill>
+          <a:blip r:embed="rId8">
+            <a:extLst>
+              <a:ext uri="{28A0092B-C50C-407E-A947-70E740481C1C}">
+                <a14:useLocalDpi xmlns:a14="http://schemas.microsoft.com/office/drawing/2010/main" val="0"/>
+              </a:ext>
+            </a:extLst>
+          </a:blip>
+          <a:stretch>
+            <a:fillRect/>
+          </a:stretch>
+        </p:blipFill>
+        <p:spPr>
+          <a:xfrm>
+            <a:off x="1535161" y="491223"/>
+            <a:ext cx="442111" cy="442111"/>
+          </a:xfrm>
+          <a:prstGeom prst="rect">
+            <a:avLst/>
+          </a:prstGeom>
+        </p:spPr>
+      </p:pic>
+      <p:pic>
+        <p:nvPicPr>
+          <p:cNvPr id="129" name="Picture 128" descr="android-icon.png"/>
+          <p:cNvPicPr>
+            <a:picLocks noChangeAspect="1"/>
+          </p:cNvPicPr>
+          <p:nvPr/>
+        </p:nvPicPr>
+        <p:blipFill>
+          <a:blip r:embed="rId8">
+            <a:extLst>
+              <a:ext uri="{28A0092B-C50C-407E-A947-70E740481C1C}">
+                <a14:useLocalDpi xmlns:a14="http://schemas.microsoft.com/office/drawing/2010/main" val="0"/>
+              </a:ext>
+            </a:extLst>
+          </a:blip>
+          <a:stretch>
+            <a:fillRect/>
+          </a:stretch>
+        </p:blipFill>
+        <p:spPr>
+          <a:xfrm>
+            <a:off x="3458083" y="487279"/>
+            <a:ext cx="442111" cy="442111"/>
+          </a:xfrm>
+          <a:prstGeom prst="rect">
+            <a:avLst/>
+          </a:prstGeom>
+        </p:spPr>
+      </p:pic>
+      <p:pic>
+        <p:nvPicPr>
+          <p:cNvPr id="130" name="Picture 129" descr="android-icon.png"/>
+          <p:cNvPicPr>
+            <a:picLocks noChangeAspect="1"/>
+          </p:cNvPicPr>
+          <p:nvPr/>
+        </p:nvPicPr>
+        <p:blipFill>
+          <a:blip r:embed="rId8">
+            <a:extLst>
+              <a:ext uri="{28A0092B-C50C-407E-A947-70E740481C1C}">
+                <a14:useLocalDpi xmlns:a14="http://schemas.microsoft.com/office/drawing/2010/main" val="0"/>
+              </a:ext>
+            </a:extLst>
+          </a:blip>
+          <a:stretch>
+            <a:fillRect/>
+          </a:stretch>
+        </p:blipFill>
+        <p:spPr>
+          <a:xfrm>
+            <a:off x="2438546" y="487279"/>
+            <a:ext cx="442111" cy="442111"/>
+          </a:xfrm>
+          <a:prstGeom prst="rect">
+            <a:avLst/>
+          </a:prstGeom>
+        </p:spPr>
+      </p:pic>
     </p:spTree>
     <p:extLst>
       <p:ext uri="{BB962C8B-B14F-4D97-AF65-F5344CB8AC3E}">
